--- a/#00 - Material de Apoio/00 - Fundamentos de C#/02 - Frameworks/PPTs/01 - Frameworks.pptx
+++ b/#00 - Material de Apoio/00 - Fundamentos de C#/02 - Frameworks/PPTs/01 - Frameworks.pptx
@@ -201,7 +201,7 @@
           <a:p>
             <a:fld id="{139EEEC3-02C9-4141-B0CF-4C776CBE4D81}" type="datetimeFigureOut">
               <a:rPr lang="pt-BR" smtClean="0"/>
-              <a:t>13/03/2021</a:t>
+              <a:t>22/03/2021</a:t>
             </a:fld>
             <a:endParaRPr lang="pt-BR"/>
           </a:p>
@@ -608,7 +608,7 @@
           <a:p>
             <a:fld id="{1D8BD707-D9CF-40AE-B4C6-C98DA3205C09}" type="datetimeFigureOut">
               <a:rPr lang="en-US"/>
-              <a:t>3/13/2021</a:t>
+              <a:t>3/22/2021</a:t>
             </a:fld>
             <a:endParaRPr lang="en-US"/>
           </a:p>
@@ -779,7 +779,7 @@
           <a:p>
             <a:fld id="{1D8BD707-D9CF-40AE-B4C6-C98DA3205C09}" type="datetimeFigureOut">
               <a:rPr lang="en-US"/>
-              <a:t>3/13/2021</a:t>
+              <a:t>3/22/2021</a:t>
             </a:fld>
             <a:endParaRPr lang="en-US"/>
           </a:p>
@@ -993,7 +993,7 @@
           <a:p>
             <a:fld id="{1D8BD707-D9CF-40AE-B4C6-C98DA3205C09}" type="datetimeFigureOut">
               <a:rPr lang="en-US"/>
-              <a:t>3/13/2021</a:t>
+              <a:t>3/22/2021</a:t>
             </a:fld>
             <a:endParaRPr lang="en-US"/>
           </a:p>
@@ -1236,7 +1236,7 @@
           <a:p>
             <a:fld id="{1D8BD707-D9CF-40AE-B4C6-C98DA3205C09}" type="datetimeFigureOut">
               <a:rPr lang="en-US"/>
-              <a:t>3/13/2021</a:t>
+              <a:t>3/22/2021</a:t>
             </a:fld>
             <a:endParaRPr lang="en-US"/>
           </a:p>
@@ -1355,7 +1355,7 @@
           <a:p>
             <a:fld id="{1D8BD707-D9CF-40AE-B4C6-C98DA3205C09}" type="datetimeFigureOut">
               <a:rPr lang="en-US"/>
-              <a:t>3/13/2021</a:t>
+              <a:t>3/22/2021</a:t>
             </a:fld>
             <a:endParaRPr lang="en-US"/>
           </a:p>
@@ -1690,7 +1690,7 @@
           <a:p>
             <a:fld id="{1D8BD707-D9CF-40AE-B4C6-C98DA3205C09}" type="datetimeFigureOut">
               <a:rPr lang="en-US"/>
-              <a:t>3/13/2021</a:t>
+              <a:t>3/22/2021</a:t>
             </a:fld>
             <a:endParaRPr lang="en-US"/>
           </a:p>
@@ -2852,7 +2852,27 @@
                 <a:latin typeface="Arial"/>
                 <a:cs typeface="Arial"/>
               </a:rPr>
-              <a:t>Na área de tecnologia, a definição é semelhante, mas de acordo com os aspectos técnicos de programação de sistemas. Trata-se de uma série de bibliotecas e classes — ou seja, códigos prontos — que oferecem alguma funcionalidade específica. Em outras palavras, é um padrão que pode ser incorporado a sistemas para agilizar a codificação de certas partes</a:t>
+              <a:t>Na área de tecnologia, a definição é semelhante, mas de acordo com os aspectos técnicos de programação de </a:t>
+            </a:r>
+            <a:r>
+              <a:rPr lang="pt-BR" sz="4000" b="1" kern="0" spc="180" dirty="0" smtClean="0">
+                <a:solidFill>
+                  <a:schemeClr val="tx1"/>
+                </a:solidFill>
+                <a:latin typeface="Arial"/>
+                <a:cs typeface="Arial"/>
+              </a:rPr>
+              <a:t>sistemas, trata-se </a:t>
+            </a:r>
+            <a:r>
+              <a:rPr lang="pt-BR" sz="4000" b="1" kern="0" spc="180" dirty="0">
+                <a:solidFill>
+                  <a:schemeClr val="tx1"/>
+                </a:solidFill>
+                <a:latin typeface="Arial"/>
+                <a:cs typeface="Arial"/>
+              </a:rPr>
+              <a:t>de uma série de bibliotecas e classes — ou seja, códigos prontos — que oferecem alguma funcionalidade específica. Em outras palavras, é um padrão que pode ser incorporado a sistemas para agilizar a codificação de certas partes</a:t>
             </a:r>
             <a:r>
               <a:rPr lang="pt-BR" sz="4000" b="1" kern="0" spc="180" dirty="0" smtClean="0">
